--- a/www/Explicacao_CARGA.pptx
+++ b/www/Explicacao_CARGA.pptx
@@ -115,7 +115,7 @@
 <file path=ppt/revisionInfo.xml><?xml version="1.0" encoding="utf-8"?>
 <p1510:revInfo xmlns:a="http://schemas.openxmlformats.org/drawingml/2006/main" xmlns:r="http://schemas.openxmlformats.org/officeDocument/2006/relationships" xmlns:p1510="http://schemas.microsoft.com/office/powerpoint/2015/10/main">
   <p1510:revLst>
-    <p1510:client id="{8ABDC961-D33C-4352-9A26-66464A978521}" v="10" dt="2023-05-03T13:53:04.827"/>
+    <p1510:client id="{8ABDC961-D33C-4352-9A26-66464A978521}" v="16" dt="2023-05-03T14:16:47.169"/>
   </p1510:revLst>
 </p1510:revInfo>
 </file>
@@ -125,18 +125,18 @@
   <pc:docChgLst>
     <pc:chgData name="Hugo Muzitano Dos Santos" userId="d80cdf66-2b2f-4a6e-84ab-9e1da1b37827" providerId="ADAL" clId="{8ABDC961-D33C-4352-9A26-66464A978521}"/>
     <pc:docChg chg="undo custSel addSld delSld modSld modMainMaster">
-      <pc:chgData name="Hugo Muzitano Dos Santos" userId="d80cdf66-2b2f-4a6e-84ab-9e1da1b37827" providerId="ADAL" clId="{8ABDC961-D33C-4352-9A26-66464A978521}" dt="2023-05-03T13:53:04.827" v="112" actId="5736"/>
+      <pc:chgData name="Hugo Muzitano Dos Santos" userId="d80cdf66-2b2f-4a6e-84ab-9e1da1b37827" providerId="ADAL" clId="{8ABDC961-D33C-4352-9A26-66464A978521}" dt="2023-05-03T14:16:47.169" v="157" actId="5736"/>
       <pc:docMkLst>
         <pc:docMk/>
       </pc:docMkLst>
       <pc:sldChg chg="addSp delSp modSp mod">
-        <pc:chgData name="Hugo Muzitano Dos Santos" userId="d80cdf66-2b2f-4a6e-84ab-9e1da1b37827" providerId="ADAL" clId="{8ABDC961-D33C-4352-9A26-66464A978521}" dt="2023-05-03T13:53:04.827" v="112" actId="5736"/>
+        <pc:chgData name="Hugo Muzitano Dos Santos" userId="d80cdf66-2b2f-4a6e-84ab-9e1da1b37827" providerId="ADAL" clId="{8ABDC961-D33C-4352-9A26-66464A978521}" dt="2023-05-03T14:16:47.169" v="157" actId="5736"/>
         <pc:sldMkLst>
           <pc:docMk/>
           <pc:sldMk cId="2514570283" sldId="256"/>
         </pc:sldMkLst>
         <pc:spChg chg="add mod">
-          <ac:chgData name="Hugo Muzitano Dos Santos" userId="d80cdf66-2b2f-4a6e-84ab-9e1da1b37827" providerId="ADAL" clId="{8ABDC961-D33C-4352-9A26-66464A978521}" dt="2023-05-03T13:53:04.827" v="112" actId="5736"/>
+          <ac:chgData name="Hugo Muzitano Dos Santos" userId="d80cdf66-2b2f-4a6e-84ab-9e1da1b37827" providerId="ADAL" clId="{8ABDC961-D33C-4352-9A26-66464A978521}" dt="2023-05-03T14:16:47.169" v="157" actId="5736"/>
           <ac:spMkLst>
             <pc:docMk/>
             <pc:sldMk cId="2514570283" sldId="256"/>
@@ -144,7 +144,7 @@
           </ac:spMkLst>
         </pc:spChg>
         <pc:spChg chg="add mod">
-          <ac:chgData name="Hugo Muzitano Dos Santos" userId="d80cdf66-2b2f-4a6e-84ab-9e1da1b37827" providerId="ADAL" clId="{8ABDC961-D33C-4352-9A26-66464A978521}" dt="2023-05-03T13:53:04.827" v="112" actId="5736"/>
+          <ac:chgData name="Hugo Muzitano Dos Santos" userId="d80cdf66-2b2f-4a6e-84ab-9e1da1b37827" providerId="ADAL" clId="{8ABDC961-D33C-4352-9A26-66464A978521}" dt="2023-05-03T14:16:47.169" v="157" actId="5736"/>
           <ac:spMkLst>
             <pc:docMk/>
             <pc:sldMk cId="2514570283" sldId="256"/>
@@ -152,7 +152,7 @@
           </ac:spMkLst>
         </pc:spChg>
         <pc:spChg chg="mod">
-          <ac:chgData name="Hugo Muzitano Dos Santos" userId="d80cdf66-2b2f-4a6e-84ab-9e1da1b37827" providerId="ADAL" clId="{8ABDC961-D33C-4352-9A26-66464A978521}" dt="2023-05-03T13:53:04.827" v="112" actId="5736"/>
+          <ac:chgData name="Hugo Muzitano Dos Santos" userId="d80cdf66-2b2f-4a6e-84ab-9e1da1b37827" providerId="ADAL" clId="{8ABDC961-D33C-4352-9A26-66464A978521}" dt="2023-05-03T14:16:47.169" v="157" actId="5736"/>
           <ac:spMkLst>
             <pc:docMk/>
             <pc:sldMk cId="2514570283" sldId="256"/>
@@ -160,7 +160,7 @@
           </ac:spMkLst>
         </pc:spChg>
         <pc:spChg chg="mod">
-          <ac:chgData name="Hugo Muzitano Dos Santos" userId="d80cdf66-2b2f-4a6e-84ab-9e1da1b37827" providerId="ADAL" clId="{8ABDC961-D33C-4352-9A26-66464A978521}" dt="2023-05-03T13:53:04.827" v="112" actId="5736"/>
+          <ac:chgData name="Hugo Muzitano Dos Santos" userId="d80cdf66-2b2f-4a6e-84ab-9e1da1b37827" providerId="ADAL" clId="{8ABDC961-D33C-4352-9A26-66464A978521}" dt="2023-05-03T14:16:47.169" v="157" actId="5736"/>
           <ac:spMkLst>
             <pc:docMk/>
             <pc:sldMk cId="2514570283" sldId="256"/>
@@ -168,7 +168,7 @@
           </ac:spMkLst>
         </pc:spChg>
         <pc:spChg chg="mod">
-          <ac:chgData name="Hugo Muzitano Dos Santos" userId="d80cdf66-2b2f-4a6e-84ab-9e1da1b37827" providerId="ADAL" clId="{8ABDC961-D33C-4352-9A26-66464A978521}" dt="2023-05-03T13:53:04.827" v="112" actId="5736"/>
+          <ac:chgData name="Hugo Muzitano Dos Santos" userId="d80cdf66-2b2f-4a6e-84ab-9e1da1b37827" providerId="ADAL" clId="{8ABDC961-D33C-4352-9A26-66464A978521}" dt="2023-05-03T14:16:47.169" v="157" actId="5736"/>
           <ac:spMkLst>
             <pc:docMk/>
             <pc:sldMk cId="2514570283" sldId="256"/>
@@ -176,7 +176,7 @@
           </ac:spMkLst>
         </pc:spChg>
         <pc:spChg chg="mod">
-          <ac:chgData name="Hugo Muzitano Dos Santos" userId="d80cdf66-2b2f-4a6e-84ab-9e1da1b37827" providerId="ADAL" clId="{8ABDC961-D33C-4352-9A26-66464A978521}" dt="2023-05-03T13:53:04.827" v="112" actId="5736"/>
+          <ac:chgData name="Hugo Muzitano Dos Santos" userId="d80cdf66-2b2f-4a6e-84ab-9e1da1b37827" providerId="ADAL" clId="{8ABDC961-D33C-4352-9A26-66464A978521}" dt="2023-05-03T14:16:47.169" v="157" actId="5736"/>
           <ac:spMkLst>
             <pc:docMk/>
             <pc:sldMk cId="2514570283" sldId="256"/>
@@ -192,7 +192,7 @@
           </ac:spMkLst>
         </pc:spChg>
         <pc:spChg chg="mod">
-          <ac:chgData name="Hugo Muzitano Dos Santos" userId="d80cdf66-2b2f-4a6e-84ab-9e1da1b37827" providerId="ADAL" clId="{8ABDC961-D33C-4352-9A26-66464A978521}" dt="2023-05-03T13:52:25.589" v="107"/>
+          <ac:chgData name="Hugo Muzitano Dos Santos" userId="d80cdf66-2b2f-4a6e-84ab-9e1da1b37827" providerId="ADAL" clId="{8ABDC961-D33C-4352-9A26-66464A978521}" dt="2023-05-03T14:15:09.486" v="125" actId="1035"/>
           <ac:spMkLst>
             <pc:docMk/>
             <pc:sldMk cId="2514570283" sldId="256"/>
@@ -200,7 +200,7 @@
           </ac:spMkLst>
         </pc:spChg>
         <pc:spChg chg="add mod">
-          <ac:chgData name="Hugo Muzitano Dos Santos" userId="d80cdf66-2b2f-4a6e-84ab-9e1da1b37827" providerId="ADAL" clId="{8ABDC961-D33C-4352-9A26-66464A978521}" dt="2023-05-03T13:53:04.827" v="112" actId="5736"/>
+          <ac:chgData name="Hugo Muzitano Dos Santos" userId="d80cdf66-2b2f-4a6e-84ab-9e1da1b37827" providerId="ADAL" clId="{8ABDC961-D33C-4352-9A26-66464A978521}" dt="2023-05-03T14:16:47.169" v="157" actId="5736"/>
           <ac:spMkLst>
             <pc:docMk/>
             <pc:sldMk cId="2514570283" sldId="256"/>
@@ -208,7 +208,7 @@
           </ac:spMkLst>
         </pc:spChg>
         <pc:spChg chg="mod">
-          <ac:chgData name="Hugo Muzitano Dos Santos" userId="d80cdf66-2b2f-4a6e-84ab-9e1da1b37827" providerId="ADAL" clId="{8ABDC961-D33C-4352-9A26-66464A978521}" dt="2023-05-03T13:53:04.827" v="112" actId="5736"/>
+          <ac:chgData name="Hugo Muzitano Dos Santos" userId="d80cdf66-2b2f-4a6e-84ab-9e1da1b37827" providerId="ADAL" clId="{8ABDC961-D33C-4352-9A26-66464A978521}" dt="2023-05-03T14:16:47.169" v="157" actId="5736"/>
           <ac:spMkLst>
             <pc:docMk/>
             <pc:sldMk cId="2514570283" sldId="256"/>
@@ -216,7 +216,7 @@
           </ac:spMkLst>
         </pc:spChg>
         <pc:spChg chg="mod">
-          <ac:chgData name="Hugo Muzitano Dos Santos" userId="d80cdf66-2b2f-4a6e-84ab-9e1da1b37827" providerId="ADAL" clId="{8ABDC961-D33C-4352-9A26-66464A978521}" dt="2023-05-03T13:53:04.827" v="112" actId="5736"/>
+          <ac:chgData name="Hugo Muzitano Dos Santos" userId="d80cdf66-2b2f-4a6e-84ab-9e1da1b37827" providerId="ADAL" clId="{8ABDC961-D33C-4352-9A26-66464A978521}" dt="2023-05-03T14:16:47.169" v="157" actId="5736"/>
           <ac:spMkLst>
             <pc:docMk/>
             <pc:sldMk cId="2514570283" sldId="256"/>
@@ -232,7 +232,7 @@
           </ac:spMkLst>
         </pc:spChg>
         <pc:spChg chg="mod">
-          <ac:chgData name="Hugo Muzitano Dos Santos" userId="d80cdf66-2b2f-4a6e-84ab-9e1da1b37827" providerId="ADAL" clId="{8ABDC961-D33C-4352-9A26-66464A978521}" dt="2023-05-03T13:30:06.949" v="15"/>
+          <ac:chgData name="Hugo Muzitano Dos Santos" userId="d80cdf66-2b2f-4a6e-84ab-9e1da1b37827" providerId="ADAL" clId="{8ABDC961-D33C-4352-9A26-66464A978521}" dt="2023-05-03T14:15:17.195" v="137" actId="1035"/>
           <ac:spMkLst>
             <pc:docMk/>
             <pc:sldMk cId="2514570283" sldId="256"/>
@@ -240,7 +240,39 @@
           </ac:spMkLst>
         </pc:spChg>
         <pc:spChg chg="mod">
-          <ac:chgData name="Hugo Muzitano Dos Santos" userId="d80cdf66-2b2f-4a6e-84ab-9e1da1b37827" providerId="ADAL" clId="{8ABDC961-D33C-4352-9A26-66464A978521}" dt="2023-05-03T13:53:04.827" v="112" actId="5736"/>
+          <ac:chgData name="Hugo Muzitano Dos Santos" userId="d80cdf66-2b2f-4a6e-84ab-9e1da1b37827" providerId="ADAL" clId="{8ABDC961-D33C-4352-9A26-66464A978521}" dt="2023-05-03T14:15:30.294" v="139"/>
+          <ac:spMkLst>
+            <pc:docMk/>
+            <pc:sldMk cId="2514570283" sldId="256"/>
+            <ac:spMk id="22" creationId="{FE1C4A81-19D1-0B67-B3CD-1D435DBF2E7F}"/>
+          </ac:spMkLst>
+        </pc:spChg>
+        <pc:spChg chg="mod">
+          <ac:chgData name="Hugo Muzitano Dos Santos" userId="d80cdf66-2b2f-4a6e-84ab-9e1da1b37827" providerId="ADAL" clId="{8ABDC961-D33C-4352-9A26-66464A978521}" dt="2023-05-03T14:15:30.294" v="139"/>
+          <ac:spMkLst>
+            <pc:docMk/>
+            <pc:sldMk cId="2514570283" sldId="256"/>
+            <ac:spMk id="25" creationId="{89FD65D7-B069-22D3-F6E5-0BB665F4D0DA}"/>
+          </ac:spMkLst>
+        </pc:spChg>
+        <pc:spChg chg="mod">
+          <ac:chgData name="Hugo Muzitano Dos Santos" userId="d80cdf66-2b2f-4a6e-84ab-9e1da1b37827" providerId="ADAL" clId="{8ABDC961-D33C-4352-9A26-66464A978521}" dt="2023-05-03T14:15:41.619" v="149"/>
+          <ac:spMkLst>
+            <pc:docMk/>
+            <pc:sldMk cId="2514570283" sldId="256"/>
+            <ac:spMk id="27" creationId="{ABA0A5DF-66E4-104B-B07F-40359B2DC561}"/>
+          </ac:spMkLst>
+        </pc:spChg>
+        <pc:spChg chg="mod">
+          <ac:chgData name="Hugo Muzitano Dos Santos" userId="d80cdf66-2b2f-4a6e-84ab-9e1da1b37827" providerId="ADAL" clId="{8ABDC961-D33C-4352-9A26-66464A978521}" dt="2023-05-03T14:15:41.619" v="149"/>
+          <ac:spMkLst>
+            <pc:docMk/>
+            <pc:sldMk cId="2514570283" sldId="256"/>
+            <ac:spMk id="28" creationId="{1262AECF-836D-FE7F-7ACA-B3A21396A245}"/>
+          </ac:spMkLst>
+        </pc:spChg>
+        <pc:spChg chg="mod">
+          <ac:chgData name="Hugo Muzitano Dos Santos" userId="d80cdf66-2b2f-4a6e-84ab-9e1da1b37827" providerId="ADAL" clId="{8ABDC961-D33C-4352-9A26-66464A978521}" dt="2023-05-03T14:16:47.169" v="157" actId="5736"/>
           <ac:spMkLst>
             <pc:docMk/>
             <pc:sldMk cId="2514570283" sldId="256"/>
@@ -248,7 +280,7 @@
           </ac:spMkLst>
         </pc:spChg>
         <pc:spChg chg="mod">
-          <ac:chgData name="Hugo Muzitano Dos Santos" userId="d80cdf66-2b2f-4a6e-84ab-9e1da1b37827" providerId="ADAL" clId="{8ABDC961-D33C-4352-9A26-66464A978521}" dt="2023-05-03T13:53:04.827" v="112" actId="5736"/>
+          <ac:chgData name="Hugo Muzitano Dos Santos" userId="d80cdf66-2b2f-4a6e-84ab-9e1da1b37827" providerId="ADAL" clId="{8ABDC961-D33C-4352-9A26-66464A978521}" dt="2023-05-03T14:16:47.169" v="157" actId="5736"/>
           <ac:spMkLst>
             <pc:docMk/>
             <pc:sldMk cId="2514570283" sldId="256"/>
@@ -256,7 +288,7 @@
           </ac:spMkLst>
         </pc:spChg>
         <pc:spChg chg="mod">
-          <ac:chgData name="Hugo Muzitano Dos Santos" userId="d80cdf66-2b2f-4a6e-84ab-9e1da1b37827" providerId="ADAL" clId="{8ABDC961-D33C-4352-9A26-66464A978521}" dt="2023-05-03T13:53:04.827" v="112" actId="5736"/>
+          <ac:chgData name="Hugo Muzitano Dos Santos" userId="d80cdf66-2b2f-4a6e-84ab-9e1da1b37827" providerId="ADAL" clId="{8ABDC961-D33C-4352-9A26-66464A978521}" dt="2023-05-03T14:16:47.169" v="157" actId="5736"/>
           <ac:spMkLst>
             <pc:docMk/>
             <pc:sldMk cId="2514570283" sldId="256"/>
@@ -280,7 +312,7 @@
           </ac:spMkLst>
         </pc:spChg>
         <pc:spChg chg="mod">
-          <ac:chgData name="Hugo Muzitano Dos Santos" userId="d80cdf66-2b2f-4a6e-84ab-9e1da1b37827" providerId="ADAL" clId="{8ABDC961-D33C-4352-9A26-66464A978521}" dt="2023-05-03T13:53:04.827" v="112" actId="5736"/>
+          <ac:chgData name="Hugo Muzitano Dos Santos" userId="d80cdf66-2b2f-4a6e-84ab-9e1da1b37827" providerId="ADAL" clId="{8ABDC961-D33C-4352-9A26-66464A978521}" dt="2023-05-03T14:16:47.169" v="157" actId="5736"/>
           <ac:spMkLst>
             <pc:docMk/>
             <pc:sldMk cId="2514570283" sldId="256"/>
@@ -296,19 +328,35 @@
           </ac:spMkLst>
         </pc:spChg>
         <pc:grpChg chg="add mod">
-          <ac:chgData name="Hugo Muzitano Dos Santos" userId="d80cdf66-2b2f-4a6e-84ab-9e1da1b37827" providerId="ADAL" clId="{8ABDC961-D33C-4352-9A26-66464A978521}" dt="2023-05-03T13:53:04.827" v="112" actId="5736"/>
+          <ac:chgData name="Hugo Muzitano Dos Santos" userId="d80cdf66-2b2f-4a6e-84ab-9e1da1b37827" providerId="ADAL" clId="{8ABDC961-D33C-4352-9A26-66464A978521}" dt="2023-05-03T14:16:47.169" v="157" actId="5736"/>
           <ac:grpSpMkLst>
             <pc:docMk/>
             <pc:sldMk cId="2514570283" sldId="256"/>
             <ac:grpSpMk id="8" creationId="{824B1420-A2A2-65B0-835D-6D7FBE77EBC0}"/>
           </ac:grpSpMkLst>
         </pc:grpChg>
-        <pc:grpChg chg="mod">
-          <ac:chgData name="Hugo Muzitano Dos Santos" userId="d80cdf66-2b2f-4a6e-84ab-9e1da1b37827" providerId="ADAL" clId="{8ABDC961-D33C-4352-9A26-66464A978521}" dt="2023-05-03T13:53:04.827" v="112" actId="5736"/>
+        <pc:grpChg chg="add del mod">
+          <ac:chgData name="Hugo Muzitano Dos Santos" userId="d80cdf66-2b2f-4a6e-84ab-9e1da1b37827" providerId="ADAL" clId="{8ABDC961-D33C-4352-9A26-66464A978521}" dt="2023-05-03T14:15:35.907" v="148" actId="478"/>
           <ac:grpSpMkLst>
             <pc:docMk/>
             <pc:sldMk cId="2514570283" sldId="256"/>
             <ac:grpSpMk id="19" creationId="{70B93703-102C-5220-7068-EF166561E3F4}"/>
+          </ac:grpSpMkLst>
+        </pc:grpChg>
+        <pc:grpChg chg="add del mod">
+          <ac:chgData name="Hugo Muzitano Dos Santos" userId="d80cdf66-2b2f-4a6e-84ab-9e1da1b37827" providerId="ADAL" clId="{8ABDC961-D33C-4352-9A26-66464A978521}" dt="2023-05-03T14:15:31.211" v="140"/>
+          <ac:grpSpMkLst>
+            <pc:docMk/>
+            <pc:sldMk cId="2514570283" sldId="256"/>
+            <ac:grpSpMk id="20" creationId="{6D62F103-48F1-DC05-A8E2-63CE45B7C76C}"/>
+          </ac:grpSpMkLst>
+        </pc:grpChg>
+        <pc:grpChg chg="add mod">
+          <ac:chgData name="Hugo Muzitano Dos Santos" userId="d80cdf66-2b2f-4a6e-84ab-9e1da1b37827" providerId="ADAL" clId="{8ABDC961-D33C-4352-9A26-66464A978521}" dt="2023-05-03T14:16:47.169" v="157" actId="5736"/>
+          <ac:grpSpMkLst>
+            <pc:docMk/>
+            <pc:sldMk cId="2514570283" sldId="256"/>
+            <ac:grpSpMk id="26" creationId="{98DED657-10AE-C81B-B75D-6F7751FD2453}"/>
           </ac:grpSpMkLst>
         </pc:grpChg>
         <pc:grpChg chg="del mod">
@@ -320,7 +368,7 @@
           </ac:grpSpMkLst>
         </pc:grpChg>
         <pc:graphicFrameChg chg="mod">
-          <ac:chgData name="Hugo Muzitano Dos Santos" userId="d80cdf66-2b2f-4a6e-84ab-9e1da1b37827" providerId="ADAL" clId="{8ABDC961-D33C-4352-9A26-66464A978521}" dt="2023-05-03T13:53:04.827" v="112" actId="5736"/>
+          <ac:chgData name="Hugo Muzitano Dos Santos" userId="d80cdf66-2b2f-4a6e-84ab-9e1da1b37827" providerId="ADAL" clId="{8ABDC961-D33C-4352-9A26-66464A978521}" dt="2023-05-03T14:16:47.169" v="157" actId="5736"/>
           <ac:graphicFrameMkLst>
             <pc:docMk/>
             <pc:sldMk cId="2514570283" sldId="256"/>
@@ -328,7 +376,7 @@
           </ac:graphicFrameMkLst>
         </pc:graphicFrameChg>
         <pc:graphicFrameChg chg="mod">
-          <ac:chgData name="Hugo Muzitano Dos Santos" userId="d80cdf66-2b2f-4a6e-84ab-9e1da1b37827" providerId="ADAL" clId="{8ABDC961-D33C-4352-9A26-66464A978521}" dt="2023-05-03T13:53:04.827" v="112" actId="5736"/>
+          <ac:chgData name="Hugo Muzitano Dos Santos" userId="d80cdf66-2b2f-4a6e-84ab-9e1da1b37827" providerId="ADAL" clId="{8ABDC961-D33C-4352-9A26-66464A978521}" dt="2023-05-03T14:16:47.169" v="157" actId="5736"/>
           <ac:graphicFrameMkLst>
             <pc:docMk/>
             <pc:sldMk cId="2514570283" sldId="256"/>
@@ -336,7 +384,7 @@
           </ac:graphicFrameMkLst>
         </pc:graphicFrameChg>
         <pc:cxnChg chg="mod">
-          <ac:chgData name="Hugo Muzitano Dos Santos" userId="d80cdf66-2b2f-4a6e-84ab-9e1da1b37827" providerId="ADAL" clId="{8ABDC961-D33C-4352-9A26-66464A978521}" dt="2023-05-03T13:53:04.827" v="112" actId="5736"/>
+          <ac:chgData name="Hugo Muzitano Dos Santos" userId="d80cdf66-2b2f-4a6e-84ab-9e1da1b37827" providerId="ADAL" clId="{8ABDC961-D33C-4352-9A26-66464A978521}" dt="2023-05-03T14:16:47.169" v="157" actId="5736"/>
           <ac:cxnSpMkLst>
             <pc:docMk/>
             <pc:sldMk cId="2514570283" sldId="256"/>
@@ -344,7 +392,7 @@
           </ac:cxnSpMkLst>
         </pc:cxnChg>
         <pc:cxnChg chg="mod">
-          <ac:chgData name="Hugo Muzitano Dos Santos" userId="d80cdf66-2b2f-4a6e-84ab-9e1da1b37827" providerId="ADAL" clId="{8ABDC961-D33C-4352-9A26-66464A978521}" dt="2023-05-03T13:53:04.827" v="112" actId="5736"/>
+          <ac:chgData name="Hugo Muzitano Dos Santos" userId="d80cdf66-2b2f-4a6e-84ab-9e1da1b37827" providerId="ADAL" clId="{8ABDC961-D33C-4352-9A26-66464A978521}" dt="2023-05-03T14:16:47.169" v="157" actId="5736"/>
           <ac:cxnSpMkLst>
             <pc:docMk/>
             <pc:sldMk cId="2514570283" sldId="256"/>
@@ -352,7 +400,7 @@
           </ac:cxnSpMkLst>
         </pc:cxnChg>
         <pc:cxnChg chg="mod">
-          <ac:chgData name="Hugo Muzitano Dos Santos" userId="d80cdf66-2b2f-4a6e-84ab-9e1da1b37827" providerId="ADAL" clId="{8ABDC961-D33C-4352-9A26-66464A978521}" dt="2023-05-03T13:53:04.827" v="112" actId="5736"/>
+          <ac:chgData name="Hugo Muzitano Dos Santos" userId="d80cdf66-2b2f-4a6e-84ab-9e1da1b37827" providerId="ADAL" clId="{8ABDC961-D33C-4352-9A26-66464A978521}" dt="2023-05-03T14:16:47.169" v="157" actId="5736"/>
           <ac:cxnSpMkLst>
             <pc:docMk/>
             <pc:sldMk cId="2514570283" sldId="256"/>
@@ -360,7 +408,7 @@
           </ac:cxnSpMkLst>
         </pc:cxnChg>
         <pc:cxnChg chg="mod">
-          <ac:chgData name="Hugo Muzitano Dos Santos" userId="d80cdf66-2b2f-4a6e-84ab-9e1da1b37827" providerId="ADAL" clId="{8ABDC961-D33C-4352-9A26-66464A978521}" dt="2023-05-03T13:53:04.827" v="112" actId="5736"/>
+          <ac:chgData name="Hugo Muzitano Dos Santos" userId="d80cdf66-2b2f-4a6e-84ab-9e1da1b37827" providerId="ADAL" clId="{8ABDC961-D33C-4352-9A26-66464A978521}" dt="2023-05-03T14:16:47.169" v="157" actId="5736"/>
           <ac:cxnSpMkLst>
             <pc:docMk/>
             <pc:sldMk cId="2514570283" sldId="256"/>
@@ -368,7 +416,7 @@
           </ac:cxnSpMkLst>
         </pc:cxnChg>
         <pc:cxnChg chg="mod">
-          <ac:chgData name="Hugo Muzitano Dos Santos" userId="d80cdf66-2b2f-4a6e-84ab-9e1da1b37827" providerId="ADAL" clId="{8ABDC961-D33C-4352-9A26-66464A978521}" dt="2023-05-03T13:53:04.827" v="112" actId="5736"/>
+          <ac:chgData name="Hugo Muzitano Dos Santos" userId="d80cdf66-2b2f-4a6e-84ab-9e1da1b37827" providerId="ADAL" clId="{8ABDC961-D33C-4352-9A26-66464A978521}" dt="2023-05-03T14:16:47.169" v="157" actId="5736"/>
           <ac:cxnSpMkLst>
             <pc:docMk/>
             <pc:sldMk cId="2514570283" sldId="256"/>
@@ -376,7 +424,7 @@
           </ac:cxnSpMkLst>
         </pc:cxnChg>
         <pc:cxnChg chg="mod">
-          <ac:chgData name="Hugo Muzitano Dos Santos" userId="d80cdf66-2b2f-4a6e-84ab-9e1da1b37827" providerId="ADAL" clId="{8ABDC961-D33C-4352-9A26-66464A978521}" dt="2023-05-03T13:53:04.827" v="112" actId="5736"/>
+          <ac:chgData name="Hugo Muzitano Dos Santos" userId="d80cdf66-2b2f-4a6e-84ab-9e1da1b37827" providerId="ADAL" clId="{8ABDC961-D33C-4352-9A26-66464A978521}" dt="2023-05-03T14:16:47.169" v="157" actId="5736"/>
           <ac:cxnSpMkLst>
             <pc:docMk/>
             <pc:sldMk cId="2514570283" sldId="256"/>
@@ -384,7 +432,7 @@
           </ac:cxnSpMkLst>
         </pc:cxnChg>
         <pc:cxnChg chg="mod">
-          <ac:chgData name="Hugo Muzitano Dos Santos" userId="d80cdf66-2b2f-4a6e-84ab-9e1da1b37827" providerId="ADAL" clId="{8ABDC961-D33C-4352-9A26-66464A978521}" dt="2023-05-03T13:53:04.827" v="112" actId="5736"/>
+          <ac:chgData name="Hugo Muzitano Dos Santos" userId="d80cdf66-2b2f-4a6e-84ab-9e1da1b37827" providerId="ADAL" clId="{8ABDC961-D33C-4352-9A26-66464A978521}" dt="2023-05-03T14:16:47.169" v="157" actId="5736"/>
           <ac:cxnSpMkLst>
             <pc:docMk/>
             <pc:sldMk cId="2514570283" sldId="256"/>
@@ -392,7 +440,7 @@
           </ac:cxnSpMkLst>
         </pc:cxnChg>
         <pc:cxnChg chg="mod">
-          <ac:chgData name="Hugo Muzitano Dos Santos" userId="d80cdf66-2b2f-4a6e-84ab-9e1da1b37827" providerId="ADAL" clId="{8ABDC961-D33C-4352-9A26-66464A978521}" dt="2023-05-03T13:53:04.827" v="112" actId="5736"/>
+          <ac:chgData name="Hugo Muzitano Dos Santos" userId="d80cdf66-2b2f-4a6e-84ab-9e1da1b37827" providerId="ADAL" clId="{8ABDC961-D33C-4352-9A26-66464A978521}" dt="2023-05-03T14:16:47.169" v="157" actId="5736"/>
           <ac:cxnSpMkLst>
             <pc:docMk/>
             <pc:sldMk cId="2514570283" sldId="256"/>
@@ -400,7 +448,7 @@
           </ac:cxnSpMkLst>
         </pc:cxnChg>
         <pc:cxnChg chg="mod">
-          <ac:chgData name="Hugo Muzitano Dos Santos" userId="d80cdf66-2b2f-4a6e-84ab-9e1da1b37827" providerId="ADAL" clId="{8ABDC961-D33C-4352-9A26-66464A978521}" dt="2023-05-03T13:53:04.827" v="112" actId="5736"/>
+          <ac:chgData name="Hugo Muzitano Dos Santos" userId="d80cdf66-2b2f-4a6e-84ab-9e1da1b37827" providerId="ADAL" clId="{8ABDC961-D33C-4352-9A26-66464A978521}" dt="2023-05-03T14:16:47.169" v="157" actId="5736"/>
           <ac:cxnSpMkLst>
             <pc:docMk/>
             <pc:sldMk cId="2514570283" sldId="256"/>
@@ -3906,115 +3954,6 @@
           </a:p>
         </p:txBody>
       </p:sp>
-      <p:grpSp>
-        <p:nvGrpSpPr>
-          <p:cNvPr id="19" name="Agrupar 18">
-            <a:extLst>
-              <a:ext uri="{FF2B5EF4-FFF2-40B4-BE49-F238E27FC236}">
-                <a16:creationId xmlns:a16="http://schemas.microsoft.com/office/drawing/2014/main" id="{70B93703-102C-5220-7068-EF166561E3F4}"/>
-              </a:ext>
-            </a:extLst>
-          </p:cNvPr>
-          <p:cNvGrpSpPr/>
-          <p:nvPr/>
-        </p:nvGrpSpPr>
-        <p:grpSpPr>
-          <a:xfrm>
-            <a:off x="3733665" y="2707883"/>
-            <a:ext cx="602166" cy="861774"/>
-            <a:chOff x="3400777" y="2832033"/>
-            <a:chExt cx="602166" cy="861774"/>
-          </a:xfrm>
-        </p:grpSpPr>
-        <p:sp>
-          <p:nvSpPr>
-            <p:cNvPr id="17" name="Elipse 16">
-              <a:extLst>
-                <a:ext uri="{FF2B5EF4-FFF2-40B4-BE49-F238E27FC236}">
-                  <a16:creationId xmlns:a16="http://schemas.microsoft.com/office/drawing/2014/main" id="{CDD084D9-82DC-566F-47FA-2827445C4E66}"/>
-                </a:ext>
-              </a:extLst>
-            </p:cNvPr>
-            <p:cNvSpPr/>
-            <p:nvPr/>
-          </p:nvSpPr>
-          <p:spPr>
-            <a:xfrm>
-              <a:off x="3400777" y="2910771"/>
-              <a:ext cx="602166" cy="550124"/>
-            </a:xfrm>
-            <a:prstGeom prst="ellipse">
-              <a:avLst/>
-            </a:prstGeom>
-            <a:noFill/>
-            <a:ln>
-              <a:solidFill>
-                <a:schemeClr val="tx1"/>
-              </a:solidFill>
-            </a:ln>
-          </p:spPr>
-          <p:style>
-            <a:lnRef idx="2">
-              <a:schemeClr val="accent1">
-                <a:shade val="50000"/>
-              </a:schemeClr>
-            </a:lnRef>
-            <a:fillRef idx="1">
-              <a:schemeClr val="accent1"/>
-            </a:fillRef>
-            <a:effectRef idx="0">
-              <a:schemeClr val="accent1"/>
-            </a:effectRef>
-            <a:fontRef idx="minor">
-              <a:schemeClr val="lt1"/>
-            </a:fontRef>
-          </p:style>
-          <p:txBody>
-            <a:bodyPr rtlCol="0" anchor="ctr"/>
-            <a:lstStyle/>
-            <a:p>
-              <a:pPr algn="ctr"/>
-              <a:endParaRPr lang="pt-BR"/>
-            </a:p>
-          </p:txBody>
-        </p:sp>
-        <p:sp>
-          <p:nvSpPr>
-            <p:cNvPr id="18" name="CaixaDeTexto 17">
-              <a:extLst>
-                <a:ext uri="{FF2B5EF4-FFF2-40B4-BE49-F238E27FC236}">
-                  <a16:creationId xmlns:a16="http://schemas.microsoft.com/office/drawing/2014/main" id="{8C97A7A1-FCBC-61CE-506D-C2C7D736209A}"/>
-                </a:ext>
-              </a:extLst>
-            </p:cNvPr>
-            <p:cNvSpPr txBox="1"/>
-            <p:nvPr/>
-          </p:nvSpPr>
-          <p:spPr>
-            <a:xfrm>
-              <a:off x="3483641" y="2832033"/>
-              <a:ext cx="451305" cy="861774"/>
-            </a:xfrm>
-            <a:prstGeom prst="rect">
-              <a:avLst/>
-            </a:prstGeom>
-            <a:noFill/>
-          </p:spPr>
-          <p:txBody>
-            <a:bodyPr wrap="square" rtlCol="0">
-              <a:spAutoFit/>
-            </a:bodyPr>
-            <a:lstStyle/>
-            <a:p>
-              <a:pPr algn="ctr"/>
-              <a:r>
-                <a:rPr lang="pt-BR" sz="5000" dirty="0"/>
-                <a:t>~</a:t>
-              </a:r>
-            </a:p>
-          </p:txBody>
-        </p:sp>
-      </p:grpSp>
       <p:cxnSp>
         <p:nvCxnSpPr>
           <p:cNvPr id="21" name="Conector reto 20">
@@ -4115,7 +4054,7 @@
           <p:nvPr>
             <p:extLst>
               <p:ext uri="{D42A27DB-BD31-4B8C-83A1-F6EECF244321}">
-                <p14:modId xmlns:p14="http://schemas.microsoft.com/office/powerpoint/2010/main" val="3086437721"/>
+                <p14:modId xmlns:p14="http://schemas.microsoft.com/office/powerpoint/2010/main" val="4140786917"/>
               </p:ext>
             </p:extLst>
           </p:nvPr>
@@ -4272,7 +4211,7 @@
         <p:spPr>
           <a:xfrm>
             <a:off x="6096000" y="1722038"/>
-            <a:ext cx="0" cy="4709228"/>
+            <a:ext cx="0" cy="5389962"/>
           </a:xfrm>
           <a:prstGeom prst="line">
             <a:avLst/>
@@ -4649,7 +4588,7 @@
           <p:nvPr>
             <p:extLst>
               <p:ext uri="{D42A27DB-BD31-4B8C-83A1-F6EECF244321}">
-                <p14:modId xmlns:p14="http://schemas.microsoft.com/office/powerpoint/2010/main" val="2475050352"/>
+                <p14:modId xmlns:p14="http://schemas.microsoft.com/office/powerpoint/2010/main" val="3430006074"/>
               </p:ext>
             </p:extLst>
           </p:nvPr>
@@ -4905,9 +4844,9 @@
         </p:nvGrpSpPr>
         <p:grpSpPr>
           <a:xfrm>
-            <a:off x="9976543" y="2720922"/>
+            <a:off x="9976543" y="2619318"/>
             <a:ext cx="602166" cy="861774"/>
-            <a:chOff x="3400777" y="2832033"/>
+            <a:chOff x="3400777" y="2730429"/>
             <a:chExt cx="602166" cy="861774"/>
           </a:xfrm>
         </p:grpSpPr>
@@ -4977,7 +4916,7 @@
           </p:nvSpPr>
           <p:spPr>
             <a:xfrm>
-              <a:off x="3483641" y="2832033"/>
+              <a:off x="3483641" y="2730429"/>
               <a:ext cx="451305" cy="861774"/>
             </a:xfrm>
             <a:prstGeom prst="rect">
@@ -5036,6 +4975,115 @@
           </a:p>
         </p:txBody>
       </p:sp>
+      <p:grpSp>
+        <p:nvGrpSpPr>
+          <p:cNvPr id="26" name="Agrupar 25">
+            <a:extLst>
+              <a:ext uri="{FF2B5EF4-FFF2-40B4-BE49-F238E27FC236}">
+                <a16:creationId xmlns:a16="http://schemas.microsoft.com/office/drawing/2014/main" id="{98DED657-10AE-C81B-B75D-6F7751FD2453}"/>
+              </a:ext>
+            </a:extLst>
+          </p:cNvPr>
+          <p:cNvGrpSpPr/>
+          <p:nvPr/>
+        </p:nvGrpSpPr>
+        <p:grpSpPr>
+          <a:xfrm>
+            <a:off x="3749899" y="2625114"/>
+            <a:ext cx="602166" cy="861774"/>
+            <a:chOff x="3400777" y="2730429"/>
+            <a:chExt cx="602166" cy="861774"/>
+          </a:xfrm>
+        </p:grpSpPr>
+        <p:sp>
+          <p:nvSpPr>
+            <p:cNvPr id="27" name="Elipse 26">
+              <a:extLst>
+                <a:ext uri="{FF2B5EF4-FFF2-40B4-BE49-F238E27FC236}">
+                  <a16:creationId xmlns:a16="http://schemas.microsoft.com/office/drawing/2014/main" id="{ABA0A5DF-66E4-104B-B07F-40359B2DC561}"/>
+                </a:ext>
+              </a:extLst>
+            </p:cNvPr>
+            <p:cNvSpPr/>
+            <p:nvPr/>
+          </p:nvSpPr>
+          <p:spPr>
+            <a:xfrm>
+              <a:off x="3400777" y="2910771"/>
+              <a:ext cx="602166" cy="550124"/>
+            </a:xfrm>
+            <a:prstGeom prst="ellipse">
+              <a:avLst/>
+            </a:prstGeom>
+            <a:noFill/>
+            <a:ln>
+              <a:solidFill>
+                <a:schemeClr val="tx1"/>
+              </a:solidFill>
+            </a:ln>
+          </p:spPr>
+          <p:style>
+            <a:lnRef idx="2">
+              <a:schemeClr val="accent1">
+                <a:shade val="50000"/>
+              </a:schemeClr>
+            </a:lnRef>
+            <a:fillRef idx="1">
+              <a:schemeClr val="accent1"/>
+            </a:fillRef>
+            <a:effectRef idx="0">
+              <a:schemeClr val="accent1"/>
+            </a:effectRef>
+            <a:fontRef idx="minor">
+              <a:schemeClr val="lt1"/>
+            </a:fontRef>
+          </p:style>
+          <p:txBody>
+            <a:bodyPr rtlCol="0" anchor="ctr"/>
+            <a:lstStyle/>
+            <a:p>
+              <a:pPr algn="ctr"/>
+              <a:endParaRPr lang="pt-BR"/>
+            </a:p>
+          </p:txBody>
+        </p:sp>
+        <p:sp>
+          <p:nvSpPr>
+            <p:cNvPr id="28" name="CaixaDeTexto 27">
+              <a:extLst>
+                <a:ext uri="{FF2B5EF4-FFF2-40B4-BE49-F238E27FC236}">
+                  <a16:creationId xmlns:a16="http://schemas.microsoft.com/office/drawing/2014/main" id="{1262AECF-836D-FE7F-7ACA-B3A21396A245}"/>
+                </a:ext>
+              </a:extLst>
+            </p:cNvPr>
+            <p:cNvSpPr txBox="1"/>
+            <p:nvPr/>
+          </p:nvSpPr>
+          <p:spPr>
+            <a:xfrm>
+              <a:off x="3483641" y="2730429"/>
+              <a:ext cx="451305" cy="861774"/>
+            </a:xfrm>
+            <a:prstGeom prst="rect">
+              <a:avLst/>
+            </a:prstGeom>
+            <a:noFill/>
+          </p:spPr>
+          <p:txBody>
+            <a:bodyPr wrap="square" rtlCol="0">
+              <a:spAutoFit/>
+            </a:bodyPr>
+            <a:lstStyle/>
+            <a:p>
+              <a:pPr algn="ctr"/>
+              <a:r>
+                <a:rPr lang="pt-BR" sz="5000" dirty="0"/>
+                <a:t>~</a:t>
+              </a:r>
+            </a:p>
+          </p:txBody>
+        </p:sp>
+      </p:grpSp>
     </p:spTree>
     <p:extLst>
       <p:ext uri="{BB962C8B-B14F-4D97-AF65-F5344CB8AC3E}">
